--- a/Presentation BlackJack.pptx
+++ b/Presentation BlackJack.pptx
@@ -307,7 +307,7 @@
           <a:p>
             <a:fld id="{4AAD347D-5ACD-4C99-B74B-A9C85AD731AF}" type="datetimeFigureOut">
               <a:rPr lang="en-US" dirty="0"/>
-              <a:t>6/24/2017</a:t>
+              <a:t>6/26/2017</a:t>
             </a:fld>
             <a:endParaRPr lang="en-US" dirty="0"/>
           </a:p>
@@ -577,7 +577,7 @@
           <a:p>
             <a:fld id="{4509A250-FF31-4206-8172-F9D3106AACB1}" type="datetimeFigureOut">
               <a:rPr lang="en-US" dirty="0"/>
-              <a:t>6/24/2017</a:t>
+              <a:t>6/26/2017</a:t>
             </a:fld>
             <a:endParaRPr lang="en-US" dirty="0"/>
           </a:p>
@@ -766,7 +766,7 @@
           <a:p>
             <a:fld id="{4509A250-FF31-4206-8172-F9D3106AACB1}" type="datetimeFigureOut">
               <a:rPr lang="en-US" dirty="0"/>
-              <a:t>6/24/2017</a:t>
+              <a:t>6/26/2017</a:t>
             </a:fld>
             <a:endParaRPr lang="en-US" dirty="0"/>
           </a:p>
@@ -1034,7 +1034,7 @@
           <a:p>
             <a:fld id="{4509A250-FF31-4206-8172-F9D3106AACB1}" type="datetimeFigureOut">
               <a:rPr lang="en-US" dirty="0"/>
-              <a:t>6/24/2017</a:t>
+              <a:t>6/26/2017</a:t>
             </a:fld>
             <a:endParaRPr lang="en-US" dirty="0"/>
           </a:p>
@@ -1370,7 +1370,7 @@
           <a:p>
             <a:fld id="{4509A250-FF31-4206-8172-F9D3106AACB1}" type="datetimeFigureOut">
               <a:rPr lang="en-US" dirty="0"/>
-              <a:t>6/24/2017</a:t>
+              <a:t>6/26/2017</a:t>
             </a:fld>
             <a:endParaRPr lang="en-US" dirty="0"/>
           </a:p>
@@ -1988,7 +1988,7 @@
           <a:p>
             <a:fld id="{4509A250-FF31-4206-8172-F9D3106AACB1}" type="datetimeFigureOut">
               <a:rPr lang="en-US" dirty="0"/>
-              <a:t>6/24/2017</a:t>
+              <a:t>6/26/2017</a:t>
             </a:fld>
             <a:endParaRPr lang="en-US" dirty="0"/>
           </a:p>
@@ -2843,7 +2843,7 @@
           <a:p>
             <a:fld id="{4509A250-FF31-4206-8172-F9D3106AACB1}" type="datetimeFigureOut">
               <a:rPr lang="en-US" dirty="0"/>
-              <a:t>6/24/2017</a:t>
+              <a:t>6/26/2017</a:t>
             </a:fld>
             <a:endParaRPr lang="en-US" dirty="0"/>
           </a:p>
@@ -3008,7 +3008,7 @@
           <a:p>
             <a:fld id="{4509A250-FF31-4206-8172-F9D3106AACB1}" type="datetimeFigureOut">
               <a:rPr lang="en-US" dirty="0"/>
-              <a:t>6/24/2017</a:t>
+              <a:t>6/26/2017</a:t>
             </a:fld>
             <a:endParaRPr lang="en-US" dirty="0"/>
           </a:p>
@@ -3183,7 +3183,7 @@
           <a:p>
             <a:fld id="{4509A250-FF31-4206-8172-F9D3106AACB1}" type="datetimeFigureOut">
               <a:rPr lang="en-US" dirty="0"/>
-              <a:t>6/24/2017</a:t>
+              <a:t>6/26/2017</a:t>
             </a:fld>
             <a:endParaRPr lang="en-US" dirty="0"/>
           </a:p>
@@ -3348,7 +3348,7 @@
           <a:p>
             <a:fld id="{4509A250-FF31-4206-8172-F9D3106AACB1}" type="datetimeFigureOut">
               <a:rPr lang="en-US" dirty="0"/>
-              <a:t>6/24/2017</a:t>
+              <a:t>6/26/2017</a:t>
             </a:fld>
             <a:endParaRPr lang="en-US" dirty="0"/>
           </a:p>
@@ -3590,7 +3590,7 @@
           <a:p>
             <a:fld id="{9796027F-7875-4030-9381-8BD8C4F21935}" type="datetimeFigureOut">
               <a:rPr lang="en-US" dirty="0"/>
-              <a:t>6/24/2017</a:t>
+              <a:t>6/26/2017</a:t>
             </a:fld>
             <a:endParaRPr lang="en-US" dirty="0"/>
           </a:p>
@@ -3877,7 +3877,7 @@
           <a:p>
             <a:fld id="{9796027F-7875-4030-9381-8BD8C4F21935}" type="datetimeFigureOut">
               <a:rPr lang="en-US" dirty="0"/>
-              <a:t>6/24/2017</a:t>
+              <a:t>6/26/2017</a:t>
             </a:fld>
             <a:endParaRPr lang="en-US" dirty="0"/>
           </a:p>
@@ -4316,7 +4316,7 @@
           <a:p>
             <a:fld id="{9796027F-7875-4030-9381-8BD8C4F21935}" type="datetimeFigureOut">
               <a:rPr lang="en-US" dirty="0"/>
-              <a:t>6/24/2017</a:t>
+              <a:t>6/26/2017</a:t>
             </a:fld>
             <a:endParaRPr lang="en-US" dirty="0"/>
           </a:p>
@@ -4429,7 +4429,7 @@
           <a:p>
             <a:fld id="{4509A250-FF31-4206-8172-F9D3106AACB1}" type="datetimeFigureOut">
               <a:rPr lang="en-US" dirty="0"/>
-              <a:t>6/24/2017</a:t>
+              <a:t>6/26/2017</a:t>
             </a:fld>
             <a:endParaRPr lang="en-US" dirty="0"/>
           </a:p>
@@ -4519,7 +4519,7 @@
           <a:p>
             <a:fld id="{4509A250-FF31-4206-8172-F9D3106AACB1}" type="datetimeFigureOut">
               <a:rPr lang="en-US" dirty="0"/>
-              <a:t>6/24/2017</a:t>
+              <a:t>6/26/2017</a:t>
             </a:fld>
             <a:endParaRPr lang="en-US" dirty="0"/>
           </a:p>
@@ -4793,7 +4793,7 @@
           <a:p>
             <a:fld id="{4509A250-FF31-4206-8172-F9D3106AACB1}" type="datetimeFigureOut">
               <a:rPr lang="en-US" dirty="0"/>
-              <a:t>6/24/2017</a:t>
+              <a:t>6/26/2017</a:t>
             </a:fld>
             <a:endParaRPr lang="en-US" dirty="0"/>
           </a:p>
@@ -5063,7 +5063,7 @@
           <a:p>
             <a:fld id="{4509A250-FF31-4206-8172-F9D3106AACB1}" type="datetimeFigureOut">
               <a:rPr lang="en-US" dirty="0"/>
-              <a:t>6/24/2017</a:t>
+              <a:t>6/26/2017</a:t>
             </a:fld>
             <a:endParaRPr lang="en-US" dirty="0"/>
           </a:p>
@@ -5487,7 +5487,7 @@
           <a:p>
             <a:fld id="{4AAD347D-5ACD-4C99-B74B-A9C85AD731AF}" type="datetimeFigureOut">
               <a:rPr lang="en-US" dirty="0"/>
-              <a:t>6/24/2017</a:t>
+              <a:t>6/26/2017</a:t>
             </a:fld>
             <a:endParaRPr lang="en-US" dirty="0"/>
           </a:p>
@@ -6158,9 +6158,32 @@
           <a:lstStyle/>
           <a:p>
             <a:r>
-              <a:rPr lang="en-US" dirty="0" smtClean="0"/>
-              <a:t>Add URL HERE!!!!!!!!!!!!!</a:t>
-            </a:r>
+              <a:rPr lang="en-US" dirty="0">
+                <a:hlinkClick r:id="rId2"/>
+              </a:rPr>
+              <a:t>http://</a:t>
+            </a:r>
+            <a:r>
+              <a:rPr lang="en-US" dirty="0" smtClean="0">
+                <a:hlinkClick r:id="rId2"/>
+              </a:rPr>
+              <a:t>codd.cs.gsu.edu</a:t>
+            </a:r>
+            <a:r>
+              <a:rPr lang="en-US">
+                <a:hlinkClick r:id="rId2"/>
+              </a:rPr>
+              <a:t>/~</a:t>
+            </a:r>
+            <a:r>
+              <a:rPr lang="en-US" smtClean="0">
+                <a:hlinkClick r:id="rId2"/>
+              </a:rPr>
+              <a:t>pdang2/Project1/main/start.html</a:t>
+            </a:r>
+            <a:endParaRPr lang="en-US" smtClean="0"/>
+          </a:p>
+          <a:p>
             <a:endParaRPr lang="en-US" dirty="0"/>
           </a:p>
         </p:txBody>
@@ -6175,13 +6198,13 @@
   <p:clrMapOvr>
     <a:masterClrMapping/>
   </p:clrMapOvr>
-  <mc:AlternateContent xmlns:mc="http://schemas.openxmlformats.org/markup-compatibility/2006">
-    <mc:Choice xmlns:p14="http://schemas.microsoft.com/office/powerpoint/2010/main" Requires="p14">
+  <mc:AlternateContent xmlns:mc="http://schemas.openxmlformats.org/markup-compatibility/2006" xmlns:p14="http://schemas.microsoft.com/office/powerpoint/2010/main">
+    <mc:Choice Requires="p14">
       <p:transition spd="slow" p14:dur="800">
         <p14:flythrough/>
       </p:transition>
     </mc:Choice>
-    <mc:Fallback>
+    <mc:Fallback xmlns="">
       <p:transition spd="slow">
         <p:fade/>
       </p:transition>
@@ -6263,7 +6286,6 @@
               <a:rPr lang="en-US" dirty="0" smtClean="0"/>
               <a:t>Enable users to recognize and understand with ease </a:t>
             </a:r>
-            <a:endParaRPr lang="en-US" dirty="0" smtClean="0"/>
           </a:p>
           <a:p>
             <a:r>
@@ -6311,13 +6333,13 @@
   <p:clrMapOvr>
     <a:masterClrMapping/>
   </p:clrMapOvr>
-  <mc:AlternateContent xmlns:mc="http://schemas.openxmlformats.org/markup-compatibility/2006">
-    <mc:Choice xmlns:p15="http://schemas.microsoft.com/office/powerpoint/2012/main" Requires="p15">
+  <mc:AlternateContent xmlns:mc="http://schemas.openxmlformats.org/markup-compatibility/2006" xmlns:p15="http://schemas.microsoft.com/office/powerpoint/2012/main">
+    <mc:Choice Requires="p15">
       <p:transition xmlns:p14="http://schemas.microsoft.com/office/powerpoint/2010/main" spd="slow" p14:dur="2000">
         <p15:prstTrans prst="drape"/>
       </p:transition>
     </mc:Choice>
-    <mc:Fallback>
+    <mc:Fallback xmlns="">
       <p:transition spd="slow">
         <p:fade/>
       </p:transition>
@@ -6409,13 +6431,13 @@
   <p:clrMapOvr>
     <a:masterClrMapping/>
   </p:clrMapOvr>
-  <mc:AlternateContent xmlns:mc="http://schemas.openxmlformats.org/markup-compatibility/2006">
-    <mc:Choice xmlns:p15="http://schemas.microsoft.com/office/powerpoint/2012/main" Requires="p15">
+  <mc:AlternateContent xmlns:mc="http://schemas.openxmlformats.org/markup-compatibility/2006" xmlns:p15="http://schemas.microsoft.com/office/powerpoint/2012/main">
+    <mc:Choice Requires="p15">
       <p:transition xmlns:p14="http://schemas.microsoft.com/office/powerpoint/2010/main" spd="slow" p14:dur="2000">
         <p15:prstTrans prst="fallOver"/>
       </p:transition>
     </mc:Choice>
-    <mc:Fallback>
+    <mc:Fallback xmlns="">
       <p:transition spd="slow">
         <p:fade/>
       </p:transition>
@@ -6507,13 +6529,13 @@
   <p:clrMapOvr>
     <a:masterClrMapping/>
   </p:clrMapOvr>
-  <mc:AlternateContent xmlns:mc="http://schemas.openxmlformats.org/markup-compatibility/2006">
-    <mc:Choice xmlns:p14="http://schemas.microsoft.com/office/powerpoint/2010/main" Requires="p14">
+  <mc:AlternateContent xmlns:mc="http://schemas.openxmlformats.org/markup-compatibility/2006" xmlns:p14="http://schemas.microsoft.com/office/powerpoint/2010/main">
+    <mc:Choice Requires="p14">
       <p:transition spd="slow" p14:dur="1500">
         <p:split orient="vert"/>
       </p:transition>
     </mc:Choice>
-    <mc:Fallback>
+    <mc:Fallback xmlns="">
       <p:transition spd="slow">
         <p:split orient="vert"/>
       </p:transition>
@@ -6605,13 +6627,13 @@
   <p:clrMapOvr>
     <a:masterClrMapping/>
   </p:clrMapOvr>
-  <mc:AlternateContent xmlns:mc="http://schemas.openxmlformats.org/markup-compatibility/2006">
-    <mc:Choice xmlns:p14="http://schemas.microsoft.com/office/powerpoint/2010/main" Requires="p14">
+  <mc:AlternateContent xmlns:mc="http://schemas.openxmlformats.org/markup-compatibility/2006" xmlns:p14="http://schemas.microsoft.com/office/powerpoint/2010/main">
+    <mc:Choice Requires="p14">
       <p:transition spd="slow" p14:dur="1250">
         <p14:switch dir="r"/>
       </p:transition>
     </mc:Choice>
-    <mc:Fallback>
+    <mc:Fallback xmlns="">
       <p:transition spd="slow">
         <p:fade/>
       </p:transition>
@@ -6661,7 +6683,7 @@
           <a:p>
             <a:r>
               <a:rPr lang="en-US" dirty="0" smtClean="0"/>
-              <a:t>Playing Page</a:t>
+              <a:t>Table Page</a:t>
             </a:r>
             <a:endParaRPr lang="en-US" dirty="0"/>
           </a:p>
@@ -6703,13 +6725,13 @@
   <p:clrMapOvr>
     <a:masterClrMapping/>
   </p:clrMapOvr>
-  <mc:AlternateContent xmlns:mc="http://schemas.openxmlformats.org/markup-compatibility/2006">
-    <mc:Choice xmlns:p15="http://schemas.microsoft.com/office/powerpoint/2012/main" Requires="p15">
+  <mc:AlternateContent xmlns:mc="http://schemas.openxmlformats.org/markup-compatibility/2006" xmlns:p15="http://schemas.microsoft.com/office/powerpoint/2012/main">
+    <mc:Choice Requires="p15">
       <p:transition xmlns:p14="http://schemas.microsoft.com/office/powerpoint/2010/main" spd="slow" p14:dur="2000">
         <p15:prstTrans prst="prestige"/>
       </p:transition>
     </mc:Choice>
-    <mc:Fallback>
+    <mc:Fallback xmlns="">
       <p:transition spd="slow">
         <p:fade/>
       </p:transition>
@@ -6996,13 +7018,13 @@
   <p:clrMapOvr>
     <a:masterClrMapping/>
   </p:clrMapOvr>
-  <mc:AlternateContent xmlns:mc="http://schemas.openxmlformats.org/markup-compatibility/2006">
-    <mc:Choice xmlns:p15="http://schemas.microsoft.com/office/powerpoint/2012/main" Requires="p15">
+  <mc:AlternateContent xmlns:mc="http://schemas.openxmlformats.org/markup-compatibility/2006" xmlns:p15="http://schemas.microsoft.com/office/powerpoint/2012/main">
+    <mc:Choice Requires="p15">
       <p:transition xmlns:p14="http://schemas.microsoft.com/office/powerpoint/2010/main" spd="slow" p14:dur="6000">
         <p15:prstTrans prst="curtains"/>
       </p:transition>
     </mc:Choice>
-    <mc:Fallback>
+    <mc:Fallback xmlns="">
       <p:transition spd="slow">
         <p:fade/>
       </p:transition>
@@ -7739,13 +7761,13 @@
   <p:clrMapOvr>
     <a:masterClrMapping/>
   </p:clrMapOvr>
-  <mc:AlternateContent xmlns:mc="http://schemas.openxmlformats.org/markup-compatibility/2006">
-    <mc:Choice xmlns:p14="http://schemas.microsoft.com/office/powerpoint/2010/main" Requires="p14">
+  <mc:AlternateContent xmlns:mc="http://schemas.openxmlformats.org/markup-compatibility/2006" xmlns:p14="http://schemas.microsoft.com/office/powerpoint/2010/main">
+    <mc:Choice Requires="p14">
       <p:transition spd="slow" p14:dur="3400">
         <p14:reveal/>
       </p:transition>
     </mc:Choice>
-    <mc:Fallback>
+    <mc:Fallback xmlns="">
       <p:transition spd="slow">
         <p:fade/>
       </p:transition>

--- a/Presentation BlackJack.pptx
+++ b/Presentation BlackJack.pptx
@@ -1,9 +1,12 @@
 
 <file path=ppt/presentation.xml><?xml version="1.0" encoding="utf-8"?>
-<p:presentation xmlns:a="http://schemas.openxmlformats.org/drawingml/2006/main" xmlns:r="http://schemas.openxmlformats.org/officeDocument/2006/relationships" xmlns:p="http://schemas.openxmlformats.org/presentationml/2006/main" autoCompressPictures="0">
+<p:presentation xmlns:a="http://schemas.openxmlformats.org/drawingml/2006/main" xmlns:r="http://schemas.openxmlformats.org/officeDocument/2006/relationships" xmlns:p="http://schemas.openxmlformats.org/presentationml/2006/main" saveSubsetFonts="1" autoCompressPictures="0">
   <p:sldMasterIdLst>
     <p:sldMasterId id="2147483648" r:id="rId1"/>
   </p:sldMasterIdLst>
+  <p:notesMasterIdLst>
+    <p:notesMasterId r:id="rId12"/>
+  </p:notesMasterIdLst>
   <p:sldIdLst>
     <p:sldId id="256" r:id="rId2"/>
     <p:sldId id="257" r:id="rId3"/>
@@ -121,6 +124,440 @@
 </p:presentation>
 </file>
 
+<file path=ppt/notesMasters/notesMaster1.xml><?xml version="1.0" encoding="utf-8"?>
+<p:notesMaster xmlns:a="http://schemas.openxmlformats.org/drawingml/2006/main" xmlns:r="http://schemas.openxmlformats.org/officeDocument/2006/relationships" xmlns:p="http://schemas.openxmlformats.org/presentationml/2006/main">
+  <p:cSld>
+    <p:bg>
+      <p:bgRef idx="1001">
+        <a:schemeClr val="bg1"/>
+      </p:bgRef>
+    </p:bg>
+    <p:spTree>
+      <p:nvGrpSpPr>
+        <p:cNvPr id="1" name=""/>
+        <p:cNvGrpSpPr/>
+        <p:nvPr/>
+      </p:nvGrpSpPr>
+      <p:grpSpPr>
+        <a:xfrm>
+          <a:off x="0" y="0"/>
+          <a:ext cx="0" cy="0"/>
+          <a:chOff x="0" y="0"/>
+          <a:chExt cx="0" cy="0"/>
+        </a:xfrm>
+      </p:grpSpPr>
+      <p:sp>
+        <p:nvSpPr>
+          <p:cNvPr id="2" name="Header Placeholder 1"/>
+          <p:cNvSpPr>
+            <a:spLocks noGrp="1"/>
+          </p:cNvSpPr>
+          <p:nvPr>
+            <p:ph type="hdr" sz="quarter"/>
+          </p:nvPr>
+        </p:nvSpPr>
+        <p:spPr>
+          <a:xfrm>
+            <a:off x="0" y="0"/>
+            <a:ext cx="2971800" cy="458788"/>
+          </a:xfrm>
+          <a:prstGeom prst="rect">
+            <a:avLst/>
+          </a:prstGeom>
+        </p:spPr>
+        <p:txBody>
+          <a:bodyPr vert="horz" lIns="91440" tIns="45720" rIns="91440" bIns="45720" rtlCol="0"/>
+          <a:lstStyle>
+            <a:lvl1pPr algn="l">
+              <a:defRPr sz="1200"/>
+            </a:lvl1pPr>
+          </a:lstStyle>
+          <a:p>
+            <a:endParaRPr lang="en-US"/>
+          </a:p>
+        </p:txBody>
+      </p:sp>
+      <p:sp>
+        <p:nvSpPr>
+          <p:cNvPr id="3" name="Date Placeholder 2"/>
+          <p:cNvSpPr>
+            <a:spLocks noGrp="1"/>
+          </p:cNvSpPr>
+          <p:nvPr>
+            <p:ph type="dt" idx="1"/>
+          </p:nvPr>
+        </p:nvSpPr>
+        <p:spPr>
+          <a:xfrm>
+            <a:off x="3884613" y="0"/>
+            <a:ext cx="2971800" cy="458788"/>
+          </a:xfrm>
+          <a:prstGeom prst="rect">
+            <a:avLst/>
+          </a:prstGeom>
+        </p:spPr>
+        <p:txBody>
+          <a:bodyPr vert="horz" lIns="91440" tIns="45720" rIns="91440" bIns="45720" rtlCol="0"/>
+          <a:lstStyle>
+            <a:lvl1pPr algn="r">
+              <a:defRPr sz="1200"/>
+            </a:lvl1pPr>
+          </a:lstStyle>
+          <a:p>
+            <a:fld id="{A4E3970E-3C92-204F-8EED-21AD0816EA5D}" type="datetimeFigureOut">
+              <a:rPr lang="en-US" smtClean="0"/>
+              <a:t>6/26/17</a:t>
+            </a:fld>
+            <a:endParaRPr lang="en-US"/>
+          </a:p>
+        </p:txBody>
+      </p:sp>
+      <p:sp>
+        <p:nvSpPr>
+          <p:cNvPr id="4" name="Slide Image Placeholder 3"/>
+          <p:cNvSpPr>
+            <a:spLocks noGrp="1" noRot="1" noChangeAspect="1"/>
+          </p:cNvSpPr>
+          <p:nvPr>
+            <p:ph type="sldImg" idx="2"/>
+          </p:nvPr>
+        </p:nvSpPr>
+        <p:spPr>
+          <a:xfrm>
+            <a:off x="685800" y="1143000"/>
+            <a:ext cx="5486400" cy="3086100"/>
+          </a:xfrm>
+          <a:prstGeom prst="rect">
+            <a:avLst/>
+          </a:prstGeom>
+          <a:noFill/>
+          <a:ln w="12700">
+            <a:solidFill>
+              <a:prstClr val="black"/>
+            </a:solidFill>
+          </a:ln>
+        </p:spPr>
+        <p:txBody>
+          <a:bodyPr vert="horz" lIns="91440" tIns="45720" rIns="91440" bIns="45720" rtlCol="0" anchor="ctr"/>
+          <a:lstStyle/>
+          <a:p>
+            <a:endParaRPr lang="en-US"/>
+          </a:p>
+        </p:txBody>
+      </p:sp>
+      <p:sp>
+        <p:nvSpPr>
+          <p:cNvPr id="5" name="Notes Placeholder 4"/>
+          <p:cNvSpPr>
+            <a:spLocks noGrp="1"/>
+          </p:cNvSpPr>
+          <p:nvPr>
+            <p:ph type="body" sz="quarter" idx="3"/>
+          </p:nvPr>
+        </p:nvSpPr>
+        <p:spPr>
+          <a:xfrm>
+            <a:off x="685800" y="4400550"/>
+            <a:ext cx="5486400" cy="3600450"/>
+          </a:xfrm>
+          <a:prstGeom prst="rect">
+            <a:avLst/>
+          </a:prstGeom>
+        </p:spPr>
+        <p:txBody>
+          <a:bodyPr vert="horz" lIns="91440" tIns="45720" rIns="91440" bIns="45720" rtlCol="0"/>
+          <a:lstStyle/>
+          <a:p>
+            <a:pPr lvl="0"/>
+            <a:r>
+              <a:rPr lang="en-US" smtClean="0"/>
+              <a:t>Click to edit Master text styles</a:t>
+            </a:r>
+          </a:p>
+          <a:p>
+            <a:pPr lvl="1"/>
+            <a:r>
+              <a:rPr lang="en-US" smtClean="0"/>
+              <a:t>Second level</a:t>
+            </a:r>
+          </a:p>
+          <a:p>
+            <a:pPr lvl="2"/>
+            <a:r>
+              <a:rPr lang="en-US" smtClean="0"/>
+              <a:t>Third level</a:t>
+            </a:r>
+          </a:p>
+          <a:p>
+            <a:pPr lvl="3"/>
+            <a:r>
+              <a:rPr lang="en-US" smtClean="0"/>
+              <a:t>Fourth level</a:t>
+            </a:r>
+          </a:p>
+          <a:p>
+            <a:pPr lvl="4"/>
+            <a:r>
+              <a:rPr lang="en-US" smtClean="0"/>
+              <a:t>Fifth level</a:t>
+            </a:r>
+            <a:endParaRPr lang="en-US"/>
+          </a:p>
+        </p:txBody>
+      </p:sp>
+      <p:sp>
+        <p:nvSpPr>
+          <p:cNvPr id="6" name="Footer Placeholder 5"/>
+          <p:cNvSpPr>
+            <a:spLocks noGrp="1"/>
+          </p:cNvSpPr>
+          <p:nvPr>
+            <p:ph type="ftr" sz="quarter" idx="4"/>
+          </p:nvPr>
+        </p:nvSpPr>
+        <p:spPr>
+          <a:xfrm>
+            <a:off x="0" y="8685213"/>
+            <a:ext cx="2971800" cy="458787"/>
+          </a:xfrm>
+          <a:prstGeom prst="rect">
+            <a:avLst/>
+          </a:prstGeom>
+        </p:spPr>
+        <p:txBody>
+          <a:bodyPr vert="horz" lIns="91440" tIns="45720" rIns="91440" bIns="45720" rtlCol="0" anchor="b"/>
+          <a:lstStyle>
+            <a:lvl1pPr algn="l">
+              <a:defRPr sz="1200"/>
+            </a:lvl1pPr>
+          </a:lstStyle>
+          <a:p>
+            <a:endParaRPr lang="en-US"/>
+          </a:p>
+        </p:txBody>
+      </p:sp>
+      <p:sp>
+        <p:nvSpPr>
+          <p:cNvPr id="7" name="Slide Number Placeholder 6"/>
+          <p:cNvSpPr>
+            <a:spLocks noGrp="1"/>
+          </p:cNvSpPr>
+          <p:nvPr>
+            <p:ph type="sldNum" sz="quarter" idx="5"/>
+          </p:nvPr>
+        </p:nvSpPr>
+        <p:spPr>
+          <a:xfrm>
+            <a:off x="3884613" y="8685213"/>
+            <a:ext cx="2971800" cy="458787"/>
+          </a:xfrm>
+          <a:prstGeom prst="rect">
+            <a:avLst/>
+          </a:prstGeom>
+        </p:spPr>
+        <p:txBody>
+          <a:bodyPr vert="horz" lIns="91440" tIns="45720" rIns="91440" bIns="45720" rtlCol="0" anchor="b"/>
+          <a:lstStyle>
+            <a:lvl1pPr algn="r">
+              <a:defRPr sz="1200"/>
+            </a:lvl1pPr>
+          </a:lstStyle>
+          <a:p>
+            <a:fld id="{882D4277-8ADE-F845-B874-73C77829ADB1}" type="slidenum">
+              <a:rPr lang="en-US" smtClean="0"/>
+              <a:t>‹#›</a:t>
+            </a:fld>
+            <a:endParaRPr lang="en-US"/>
+          </a:p>
+        </p:txBody>
+      </p:sp>
+    </p:spTree>
+    <p:extLst>
+      <p:ext uri="{BB962C8B-B14F-4D97-AF65-F5344CB8AC3E}">
+        <p14:creationId xmlns:p14="http://schemas.microsoft.com/office/powerpoint/2010/main" val="782397088"/>
+      </p:ext>
+    </p:extLst>
+  </p:cSld>
+  <p:clrMap bg1="lt1" tx1="dk1" bg2="lt2" tx2="dk2" accent1="accent1" accent2="accent2" accent3="accent3" accent4="accent4" accent5="accent5" accent6="accent6" hlink="hlink" folHlink="folHlink"/>
+  <p:notesStyle>
+    <a:lvl1pPr marL="0" algn="l" defTabSz="914400" rtl="0" eaLnBrk="1" latinLnBrk="0" hangingPunct="1">
+      <a:defRPr sz="1200" kern="1200">
+        <a:solidFill>
+          <a:schemeClr val="tx1"/>
+        </a:solidFill>
+        <a:latin typeface="+mn-lt"/>
+        <a:ea typeface="+mn-ea"/>
+        <a:cs typeface="+mn-cs"/>
+      </a:defRPr>
+    </a:lvl1pPr>
+    <a:lvl2pPr marL="457200" algn="l" defTabSz="914400" rtl="0" eaLnBrk="1" latinLnBrk="0" hangingPunct="1">
+      <a:defRPr sz="1200" kern="1200">
+        <a:solidFill>
+          <a:schemeClr val="tx1"/>
+        </a:solidFill>
+        <a:latin typeface="+mn-lt"/>
+        <a:ea typeface="+mn-ea"/>
+        <a:cs typeface="+mn-cs"/>
+      </a:defRPr>
+    </a:lvl2pPr>
+    <a:lvl3pPr marL="914400" algn="l" defTabSz="914400" rtl="0" eaLnBrk="1" latinLnBrk="0" hangingPunct="1">
+      <a:defRPr sz="1200" kern="1200">
+        <a:solidFill>
+          <a:schemeClr val="tx1"/>
+        </a:solidFill>
+        <a:latin typeface="+mn-lt"/>
+        <a:ea typeface="+mn-ea"/>
+        <a:cs typeface="+mn-cs"/>
+      </a:defRPr>
+    </a:lvl3pPr>
+    <a:lvl4pPr marL="1371600" algn="l" defTabSz="914400" rtl="0" eaLnBrk="1" latinLnBrk="0" hangingPunct="1">
+      <a:defRPr sz="1200" kern="1200">
+        <a:solidFill>
+          <a:schemeClr val="tx1"/>
+        </a:solidFill>
+        <a:latin typeface="+mn-lt"/>
+        <a:ea typeface="+mn-ea"/>
+        <a:cs typeface="+mn-cs"/>
+      </a:defRPr>
+    </a:lvl4pPr>
+    <a:lvl5pPr marL="1828800" algn="l" defTabSz="914400" rtl="0" eaLnBrk="1" latinLnBrk="0" hangingPunct="1">
+      <a:defRPr sz="1200" kern="1200">
+        <a:solidFill>
+          <a:schemeClr val="tx1"/>
+        </a:solidFill>
+        <a:latin typeface="+mn-lt"/>
+        <a:ea typeface="+mn-ea"/>
+        <a:cs typeface="+mn-cs"/>
+      </a:defRPr>
+    </a:lvl5pPr>
+    <a:lvl6pPr marL="2286000" algn="l" defTabSz="914400" rtl="0" eaLnBrk="1" latinLnBrk="0" hangingPunct="1">
+      <a:defRPr sz="1200" kern="1200">
+        <a:solidFill>
+          <a:schemeClr val="tx1"/>
+        </a:solidFill>
+        <a:latin typeface="+mn-lt"/>
+        <a:ea typeface="+mn-ea"/>
+        <a:cs typeface="+mn-cs"/>
+      </a:defRPr>
+    </a:lvl6pPr>
+    <a:lvl7pPr marL="2743200" algn="l" defTabSz="914400" rtl="0" eaLnBrk="1" latinLnBrk="0" hangingPunct="1">
+      <a:defRPr sz="1200" kern="1200">
+        <a:solidFill>
+          <a:schemeClr val="tx1"/>
+        </a:solidFill>
+        <a:latin typeface="+mn-lt"/>
+        <a:ea typeface="+mn-ea"/>
+        <a:cs typeface="+mn-cs"/>
+      </a:defRPr>
+    </a:lvl7pPr>
+    <a:lvl8pPr marL="3200400" algn="l" defTabSz="914400" rtl="0" eaLnBrk="1" latinLnBrk="0" hangingPunct="1">
+      <a:defRPr sz="1200" kern="1200">
+        <a:solidFill>
+          <a:schemeClr val="tx1"/>
+        </a:solidFill>
+        <a:latin typeface="+mn-lt"/>
+        <a:ea typeface="+mn-ea"/>
+        <a:cs typeface="+mn-cs"/>
+      </a:defRPr>
+    </a:lvl8pPr>
+    <a:lvl9pPr marL="3657600" algn="l" defTabSz="914400" rtl="0" eaLnBrk="1" latinLnBrk="0" hangingPunct="1">
+      <a:defRPr sz="1200" kern="1200">
+        <a:solidFill>
+          <a:schemeClr val="tx1"/>
+        </a:solidFill>
+        <a:latin typeface="+mn-lt"/>
+        <a:ea typeface="+mn-ea"/>
+        <a:cs typeface="+mn-cs"/>
+      </a:defRPr>
+    </a:lvl9pPr>
+  </p:notesStyle>
+</p:notesMaster>
+</file>
+
+<file path=ppt/notesSlides/notesSlide1.xml><?xml version="1.0" encoding="utf-8"?>
+<p:notes xmlns:a="http://schemas.openxmlformats.org/drawingml/2006/main" xmlns:r="http://schemas.openxmlformats.org/officeDocument/2006/relationships" xmlns:p="http://schemas.openxmlformats.org/presentationml/2006/main">
+  <p:cSld>
+    <p:spTree>
+      <p:nvGrpSpPr>
+        <p:cNvPr id="1" name=""/>
+        <p:cNvGrpSpPr/>
+        <p:nvPr/>
+      </p:nvGrpSpPr>
+      <p:grpSpPr>
+        <a:xfrm>
+          <a:off x="0" y="0"/>
+          <a:ext cx="0" cy="0"/>
+          <a:chOff x="0" y="0"/>
+          <a:chExt cx="0" cy="0"/>
+        </a:xfrm>
+      </p:grpSpPr>
+      <p:sp>
+        <p:nvSpPr>
+          <p:cNvPr id="2" name="Slide Image Placeholder 1"/>
+          <p:cNvSpPr>
+            <a:spLocks noGrp="1" noRot="1" noChangeAspect="1"/>
+          </p:cNvSpPr>
+          <p:nvPr>
+            <p:ph type="sldImg"/>
+          </p:nvPr>
+        </p:nvSpPr>
+        <p:spPr/>
+      </p:sp>
+      <p:sp>
+        <p:nvSpPr>
+          <p:cNvPr id="3" name="Notes Placeholder 2"/>
+          <p:cNvSpPr>
+            <a:spLocks noGrp="1"/>
+          </p:cNvSpPr>
+          <p:nvPr>
+            <p:ph type="body" idx="1"/>
+          </p:nvPr>
+        </p:nvSpPr>
+        <p:spPr/>
+        <p:txBody>
+          <a:bodyPr/>
+          <a:lstStyle/>
+          <a:p>
+            <a:endParaRPr lang="en-US" dirty="0"/>
+          </a:p>
+        </p:txBody>
+      </p:sp>
+      <p:sp>
+        <p:nvSpPr>
+          <p:cNvPr id="4" name="Slide Number Placeholder 3"/>
+          <p:cNvSpPr>
+            <a:spLocks noGrp="1"/>
+          </p:cNvSpPr>
+          <p:nvPr>
+            <p:ph type="sldNum" sz="quarter" idx="10"/>
+          </p:nvPr>
+        </p:nvSpPr>
+        <p:spPr/>
+        <p:txBody>
+          <a:bodyPr/>
+          <a:lstStyle/>
+          <a:p>
+            <a:fld id="{882D4277-8ADE-F845-B874-73C77829ADB1}" type="slidenum">
+              <a:rPr lang="en-US" smtClean="0"/>
+              <a:t>9</a:t>
+            </a:fld>
+            <a:endParaRPr lang="en-US"/>
+          </a:p>
+        </p:txBody>
+      </p:sp>
+    </p:spTree>
+    <p:extLst>
+      <p:ext uri="{BB962C8B-B14F-4D97-AF65-F5344CB8AC3E}">
+        <p14:creationId xmlns:p14="http://schemas.microsoft.com/office/powerpoint/2010/main" val="705487435"/>
+      </p:ext>
+    </p:extLst>
+  </p:cSld>
+  <p:clrMapOvr>
+    <a:masterClrMapping/>
+  </p:clrMapOvr>
+</p:notes>
+</file>
+
 <file path=ppt/slideLayouts/slideLayout1.xml><?xml version="1.0" encoding="utf-8"?>
 <p:sldLayout xmlns:a="http://schemas.openxmlformats.org/drawingml/2006/main" xmlns:r="http://schemas.openxmlformats.org/officeDocument/2006/relationships" xmlns:p="http://schemas.openxmlformats.org/presentationml/2006/main" type="title" preserve="1">
   <p:cSld name="Title Slide">
@@ -307,7 +744,7 @@
           <a:p>
             <a:fld id="{4AAD347D-5ACD-4C99-B74B-A9C85AD731AF}" type="datetimeFigureOut">
               <a:rPr lang="en-US" dirty="0"/>
-              <a:t>6/26/2017</a:t>
+              <a:t>6/26/17</a:t>
             </a:fld>
             <a:endParaRPr lang="en-US" dirty="0"/>
           </a:p>
@@ -577,7 +1014,7 @@
           <a:p>
             <a:fld id="{4509A250-FF31-4206-8172-F9D3106AACB1}" type="datetimeFigureOut">
               <a:rPr lang="en-US" dirty="0"/>
-              <a:t>6/26/2017</a:t>
+              <a:t>6/26/17</a:t>
             </a:fld>
             <a:endParaRPr lang="en-US" dirty="0"/>
           </a:p>
@@ -766,7 +1203,7 @@
           <a:p>
             <a:fld id="{4509A250-FF31-4206-8172-F9D3106AACB1}" type="datetimeFigureOut">
               <a:rPr lang="en-US" dirty="0"/>
-              <a:t>6/26/2017</a:t>
+              <a:t>6/26/17</a:t>
             </a:fld>
             <a:endParaRPr lang="en-US" dirty="0"/>
           </a:p>
@@ -1034,7 +1471,7 @@
           <a:p>
             <a:fld id="{4509A250-FF31-4206-8172-F9D3106AACB1}" type="datetimeFigureOut">
               <a:rPr lang="en-US" dirty="0"/>
-              <a:t>6/26/2017</a:t>
+              <a:t>6/26/17</a:t>
             </a:fld>
             <a:endParaRPr lang="en-US" dirty="0"/>
           </a:p>
@@ -1370,7 +1807,7 @@
           <a:p>
             <a:fld id="{4509A250-FF31-4206-8172-F9D3106AACB1}" type="datetimeFigureOut">
               <a:rPr lang="en-US" dirty="0"/>
-              <a:t>6/26/2017</a:t>
+              <a:t>6/26/17</a:t>
             </a:fld>
             <a:endParaRPr lang="en-US" dirty="0"/>
           </a:p>
@@ -1988,7 +2425,7 @@
           <a:p>
             <a:fld id="{4509A250-FF31-4206-8172-F9D3106AACB1}" type="datetimeFigureOut">
               <a:rPr lang="en-US" dirty="0"/>
-              <a:t>6/26/2017</a:t>
+              <a:t>6/26/17</a:t>
             </a:fld>
             <a:endParaRPr lang="en-US" dirty="0"/>
           </a:p>
@@ -2843,7 +3280,7 @@
           <a:p>
             <a:fld id="{4509A250-FF31-4206-8172-F9D3106AACB1}" type="datetimeFigureOut">
               <a:rPr lang="en-US" dirty="0"/>
-              <a:t>6/26/2017</a:t>
+              <a:t>6/26/17</a:t>
             </a:fld>
             <a:endParaRPr lang="en-US" dirty="0"/>
           </a:p>
@@ -3008,7 +3445,7 @@
           <a:p>
             <a:fld id="{4509A250-FF31-4206-8172-F9D3106AACB1}" type="datetimeFigureOut">
               <a:rPr lang="en-US" dirty="0"/>
-              <a:t>6/26/2017</a:t>
+              <a:t>6/26/17</a:t>
             </a:fld>
             <a:endParaRPr lang="en-US" dirty="0"/>
           </a:p>
@@ -3183,7 +3620,7 @@
           <a:p>
             <a:fld id="{4509A250-FF31-4206-8172-F9D3106AACB1}" type="datetimeFigureOut">
               <a:rPr lang="en-US" dirty="0"/>
-              <a:t>6/26/2017</a:t>
+              <a:t>6/26/17</a:t>
             </a:fld>
             <a:endParaRPr lang="en-US" dirty="0"/>
           </a:p>
@@ -3348,7 +3785,7 @@
           <a:p>
             <a:fld id="{4509A250-FF31-4206-8172-F9D3106AACB1}" type="datetimeFigureOut">
               <a:rPr lang="en-US" dirty="0"/>
-              <a:t>6/26/2017</a:t>
+              <a:t>6/26/17</a:t>
             </a:fld>
             <a:endParaRPr lang="en-US" dirty="0"/>
           </a:p>
@@ -3590,7 +4027,7 @@
           <a:p>
             <a:fld id="{9796027F-7875-4030-9381-8BD8C4F21935}" type="datetimeFigureOut">
               <a:rPr lang="en-US" dirty="0"/>
-              <a:t>6/26/2017</a:t>
+              <a:t>6/26/17</a:t>
             </a:fld>
             <a:endParaRPr lang="en-US" dirty="0"/>
           </a:p>
@@ -3877,7 +4314,7 @@
           <a:p>
             <a:fld id="{9796027F-7875-4030-9381-8BD8C4F21935}" type="datetimeFigureOut">
               <a:rPr lang="en-US" dirty="0"/>
-              <a:t>6/26/2017</a:t>
+              <a:t>6/26/17</a:t>
             </a:fld>
             <a:endParaRPr lang="en-US" dirty="0"/>
           </a:p>
@@ -4316,7 +4753,7 @@
           <a:p>
             <a:fld id="{9796027F-7875-4030-9381-8BD8C4F21935}" type="datetimeFigureOut">
               <a:rPr lang="en-US" dirty="0"/>
-              <a:t>6/26/2017</a:t>
+              <a:t>6/26/17</a:t>
             </a:fld>
             <a:endParaRPr lang="en-US" dirty="0"/>
           </a:p>
@@ -4429,7 +4866,7 @@
           <a:p>
             <a:fld id="{4509A250-FF31-4206-8172-F9D3106AACB1}" type="datetimeFigureOut">
               <a:rPr lang="en-US" dirty="0"/>
-              <a:t>6/26/2017</a:t>
+              <a:t>6/26/17</a:t>
             </a:fld>
             <a:endParaRPr lang="en-US" dirty="0"/>
           </a:p>
@@ -4519,7 +4956,7 @@
           <a:p>
             <a:fld id="{4509A250-FF31-4206-8172-F9D3106AACB1}" type="datetimeFigureOut">
               <a:rPr lang="en-US" dirty="0"/>
-              <a:t>6/26/2017</a:t>
+              <a:t>6/26/17</a:t>
             </a:fld>
             <a:endParaRPr lang="en-US" dirty="0"/>
           </a:p>
@@ -4793,7 +5230,7 @@
           <a:p>
             <a:fld id="{4509A250-FF31-4206-8172-F9D3106AACB1}" type="datetimeFigureOut">
               <a:rPr lang="en-US" dirty="0"/>
-              <a:t>6/26/2017</a:t>
+              <a:t>6/26/17</a:t>
             </a:fld>
             <a:endParaRPr lang="en-US" dirty="0"/>
           </a:p>
@@ -5063,7 +5500,7 @@
           <a:p>
             <a:fld id="{4509A250-FF31-4206-8172-F9D3106AACB1}" type="datetimeFigureOut">
               <a:rPr lang="en-US" dirty="0"/>
-              <a:t>6/26/2017</a:t>
+              <a:t>6/26/17</a:t>
             </a:fld>
             <a:endParaRPr lang="en-US" dirty="0"/>
           </a:p>
@@ -5487,7 +5924,7 @@
           <a:p>
             <a:fld id="{4AAD347D-5ACD-4C99-B74B-A9C85AD731AF}" type="datetimeFigureOut">
               <a:rPr lang="en-US" dirty="0"/>
-              <a:t>6/26/2017</a:t>
+              <a:t>6/26/17</a:t>
             </a:fld>
             <a:endParaRPr lang="en-US" dirty="0"/>
           </a:p>
@@ -6170,21 +6607,21 @@
               <a:t>codd.cs.gsu.edu</a:t>
             </a:r>
             <a:r>
-              <a:rPr lang="en-US">
+              <a:rPr lang="en-US" dirty="0">
                 <a:hlinkClick r:id="rId2"/>
               </a:rPr>
               <a:t>/~</a:t>
             </a:r>
             <a:r>
-              <a:rPr lang="en-US" smtClean="0">
+              <a:rPr lang="en-US" dirty="0" smtClean="0">
                 <a:hlinkClick r:id="rId2"/>
               </a:rPr>
               <a:t>pdang2/Project1/main/start.html</a:t>
             </a:r>
-            <a:endParaRPr lang="en-US" smtClean="0"/>
-          </a:p>
-          <a:p>
-            <a:endParaRPr lang="en-US" dirty="0"/>
+            <a:endParaRPr lang="en-US" dirty="0" smtClean="0"/>
+          </a:p>
+          <a:p>
+            <a:endParaRPr lang="en-US" dirty="0" smtClean="0"/>
           </a:p>
         </p:txBody>
       </p:sp>
@@ -8206,7 +8643,7 @@
         <p:spPr>
           <a:xfrm>
             <a:off x="4735264" y="1381749"/>
-            <a:ext cx="5961681" cy="5170646"/>
+            <a:ext cx="5961681" cy="5478423"/>
           </a:xfrm>
           <a:prstGeom prst="rect">
             <a:avLst/>
@@ -8239,8 +8676,13 @@
             </a:r>
             <a:r>
               <a:rPr lang="en-US" sz="1200" dirty="0"/>
-              <a:t> {</a:t>
-            </a:r>
+              <a:t> </a:t>
+            </a:r>
+            <a:r>
+              <a:rPr lang="en-US" sz="1200" dirty="0" smtClean="0"/>
+              <a:t>{ /* background styling*/</a:t>
+            </a:r>
+            <a:endParaRPr lang="en-US" sz="1200" dirty="0"/>
           </a:p>
           <a:p>
             <a:r>
@@ -8390,6 +8832,73 @@
           </a:p>
           <a:p>
             <a:r>
+              <a:rPr lang="en-US" sz="1200" dirty="0" smtClean="0"/>
+              <a:t>}</a:t>
+            </a:r>
+          </a:p>
+          <a:p>
+            <a:r>
+              <a:rPr lang="en-US" sz="1200" dirty="0"/>
+              <a:t>/* </a:t>
+            </a:r>
+            <a:r>
+              <a:rPr lang="en-US" sz="1200" dirty="0" smtClean="0"/>
+              <a:t>Visibility when clicked*/</a:t>
+            </a:r>
+            <a:endParaRPr lang="en-US" sz="1200" dirty="0"/>
+          </a:p>
+          <a:p>
+            <a:r>
+              <a:rPr lang="en-US" sz="1200" dirty="0"/>
+              <a:t>.</a:t>
+            </a:r>
+            <a:r>
+              <a:rPr lang="en-US" sz="1200" dirty="0" err="1">
+                <a:solidFill>
+                  <a:srgbClr val="FFC000"/>
+                </a:solidFill>
+              </a:rPr>
+              <a:t>overlay:target</a:t>
+            </a:r>
+            <a:r>
+              <a:rPr lang="en-US" sz="1200" dirty="0">
+                <a:solidFill>
+                  <a:srgbClr val="FFC000"/>
+                </a:solidFill>
+              </a:rPr>
+              <a:t> </a:t>
+            </a:r>
+            <a:r>
+              <a:rPr lang="en-US" sz="1200" dirty="0"/>
+              <a:t>{</a:t>
+            </a:r>
+          </a:p>
+          <a:p>
+            <a:r>
+              <a:rPr lang="en-US" sz="1200" dirty="0"/>
+              <a:t>  visibility: visible;</a:t>
+            </a:r>
+          </a:p>
+          <a:p>
+            <a:r>
+              <a:rPr lang="en-US" sz="1200" dirty="0"/>
+              <a:t>  opacity: </a:t>
+            </a:r>
+            <a:r>
+              <a:rPr lang="en-US" sz="1200" dirty="0">
+                <a:solidFill>
+                  <a:srgbClr val="FFC000"/>
+                </a:solidFill>
+              </a:rPr>
+              <a:t>1</a:t>
+            </a:r>
+            <a:r>
+              <a:rPr lang="en-US" sz="1200" dirty="0"/>
+              <a:t>;</a:t>
+            </a:r>
+          </a:p>
+          <a:p>
+            <a:r>
               <a:rPr lang="en-US" sz="1200" dirty="0"/>
               <a:t>}</a:t>
             </a:r>
@@ -8397,60 +8906,12 @@
           <a:p>
             <a:r>
               <a:rPr lang="en-US" sz="1200" dirty="0"/>
-              <a:t>.</a:t>
-            </a:r>
-            <a:r>
-              <a:rPr lang="en-US" sz="1200" dirty="0" err="1">
-                <a:solidFill>
-                  <a:srgbClr val="FFC000"/>
-                </a:solidFill>
-              </a:rPr>
-              <a:t>overlay:target</a:t>
-            </a:r>
-            <a:r>
-              <a:rPr lang="en-US" sz="1200" dirty="0">
-                <a:solidFill>
-                  <a:srgbClr val="FFC000"/>
-                </a:solidFill>
-              </a:rPr>
-              <a:t> </a:t>
-            </a:r>
-            <a:r>
-              <a:rPr lang="en-US" sz="1200" dirty="0"/>
-              <a:t>{</a:t>
-            </a:r>
-          </a:p>
-          <a:p>
-            <a:r>
-              <a:rPr lang="en-US" sz="1200" dirty="0"/>
-              <a:t>  visibility: visible;</a:t>
-            </a:r>
-          </a:p>
-          <a:p>
-            <a:r>
-              <a:rPr lang="en-US" sz="1200" dirty="0"/>
-              <a:t>  opacity: </a:t>
-            </a:r>
-            <a:r>
-              <a:rPr lang="en-US" sz="1200" dirty="0">
-                <a:solidFill>
-                  <a:srgbClr val="FFC000"/>
-                </a:solidFill>
-              </a:rPr>
-              <a:t>1</a:t>
-            </a:r>
-            <a:r>
-              <a:rPr lang="en-US" sz="1200" dirty="0"/>
-              <a:t>;</a:t>
-            </a:r>
-          </a:p>
-          <a:p>
-            <a:r>
-              <a:rPr lang="en-US" sz="1200" dirty="0"/>
-              <a:t>}</a:t>
-            </a:r>
-          </a:p>
-          <a:p>
+              <a:t>/* </a:t>
+            </a:r>
+            <a:r>
+              <a:rPr lang="en-US" sz="1200" dirty="0" smtClean="0"/>
+              <a:t>Styling of the popup*/</a:t>
+            </a:r>
             <a:endParaRPr lang="en-US" sz="1200" dirty="0"/>
           </a:p>
           <a:p>
@@ -8617,7 +9078,7 @@
         <p:spPr>
           <a:xfrm>
             <a:off x="7593889" y="822496"/>
-            <a:ext cx="3326969" cy="6186309"/>
+            <a:ext cx="3326969" cy="6370975"/>
           </a:xfrm>
           <a:prstGeom prst="rect">
             <a:avLst/>
@@ -8660,8 +9121,17 @@
             </a:r>
             <a:r>
               <a:rPr lang="en-US" sz="1200" dirty="0"/>
-              <a:t> {</a:t>
-            </a:r>
+              <a:t> </a:t>
+            </a:r>
+            <a:r>
+              <a:rPr lang="en-US" sz="1200" dirty="0"/>
+              <a:t>{/* </a:t>
+            </a:r>
+            <a:r>
+              <a:rPr lang="en-US" sz="1200" dirty="0" smtClean="0"/>
+              <a:t>header styling*/</a:t>
+            </a:r>
+            <a:endParaRPr lang="en-US" sz="1200" dirty="0"/>
           </a:p>
           <a:p>
             <a:r>
@@ -8746,8 +9216,17 @@
             </a:r>
             <a:r>
               <a:rPr lang="en-US" sz="1200" dirty="0"/>
-              <a:t>.close {</a:t>
-            </a:r>
+              <a:t>.close </a:t>
+            </a:r>
+            <a:r>
+              <a:rPr lang="en-US" sz="1200" dirty="0"/>
+              <a:t>{/* </a:t>
+            </a:r>
+            <a:r>
+              <a:rPr lang="en-US" sz="1200" dirty="0" smtClean="0"/>
+              <a:t>Close button styling */</a:t>
+            </a:r>
+            <a:endParaRPr lang="en-US" sz="1200" dirty="0"/>
           </a:p>
           <a:p>
             <a:r>
@@ -8913,6 +9392,176 @@
               <a:t> </a:t>
             </a:r>
             <a:r>
+              <a:rPr lang="en-US" sz="1200" dirty="0" smtClean="0"/>
+              <a:t>{ </a:t>
+            </a:r>
+            <a:endParaRPr lang="en-US" sz="1200" dirty="0"/>
+          </a:p>
+          <a:p>
+            <a:r>
+              <a:rPr lang="en-US" sz="1200" dirty="0"/>
+              <a:t>  color: </a:t>
+            </a:r>
+            <a:r>
+              <a:rPr lang="en-US" sz="1200" dirty="0">
+                <a:solidFill>
+                  <a:srgbClr val="00B0F0"/>
+                </a:solidFill>
+              </a:rPr>
+              <a:t>#06D85F</a:t>
+            </a:r>
+            <a:r>
+              <a:rPr lang="en-US" sz="1200" dirty="0"/>
+              <a:t>;</a:t>
+            </a:r>
+          </a:p>
+          <a:p>
+            <a:r>
+              <a:rPr lang="en-US" sz="1200" dirty="0"/>
+              <a:t>}</a:t>
+            </a:r>
+          </a:p>
+          <a:p>
+            <a:r>
+              <a:rPr lang="en-US" sz="1200" dirty="0"/>
+              <a:t>.</a:t>
+            </a:r>
+            <a:r>
+              <a:rPr lang="en-US" sz="1200" dirty="0" err="1">
+                <a:solidFill>
+                  <a:srgbClr val="FFC000"/>
+                </a:solidFill>
+              </a:rPr>
+              <a:t>popupMenu</a:t>
+            </a:r>
+            <a:r>
+              <a:rPr lang="en-US" sz="1200" dirty="0">
+                <a:solidFill>
+                  <a:srgbClr val="FFC000"/>
+                </a:solidFill>
+              </a:rPr>
+              <a:t> </a:t>
+            </a:r>
+            <a:r>
+              <a:rPr lang="en-US" sz="1200" dirty="0"/>
+              <a:t>.</a:t>
+            </a:r>
+            <a:r>
+              <a:rPr lang="en-US" sz="1200" dirty="0">
+                <a:solidFill>
+                  <a:srgbClr val="FFC000"/>
+                </a:solidFill>
+              </a:rPr>
+              <a:t>content</a:t>
+            </a:r>
+            <a:r>
+              <a:rPr lang="en-US" sz="1200" dirty="0"/>
+              <a:t> {</a:t>
+            </a:r>
+          </a:p>
+          <a:p>
+            <a:r>
+              <a:rPr lang="en-US" sz="1200" dirty="0"/>
+              <a:t>  max-height: </a:t>
+            </a:r>
+            <a:r>
+              <a:rPr lang="en-US" sz="1200" dirty="0">
+                <a:solidFill>
+                  <a:srgbClr val="FFC000"/>
+                </a:solidFill>
+              </a:rPr>
+              <a:t>30%</a:t>
+            </a:r>
+            <a:r>
+              <a:rPr lang="en-US" sz="1200" dirty="0"/>
+              <a:t>;</a:t>
+            </a:r>
+          </a:p>
+          <a:p>
+            <a:r>
+              <a:rPr lang="en-US" sz="1200" dirty="0"/>
+              <a:t>  overflow: auto;</a:t>
+            </a:r>
+          </a:p>
+          <a:p>
+            <a:r>
+              <a:rPr lang="en-US" sz="1200" dirty="0"/>
+              <a:t>}</a:t>
+            </a:r>
+          </a:p>
+          <a:p>
+            <a:endParaRPr lang="en-US" sz="1200" dirty="0"/>
+          </a:p>
+          <a:p>
+            <a:r>
+              <a:rPr lang="en-US" sz="1200" dirty="0"/>
+              <a:t>@media </a:t>
+            </a:r>
+            <a:r>
+              <a:rPr lang="en-US" sz="1200" dirty="0">
+                <a:solidFill>
+                  <a:srgbClr val="FFC000"/>
+                </a:solidFill>
+              </a:rPr>
+              <a:t>screen</a:t>
+            </a:r>
+            <a:r>
+              <a:rPr lang="en-US" sz="1200" dirty="0"/>
+              <a:t> and (max-width: </a:t>
+            </a:r>
+            <a:r>
+              <a:rPr lang="en-US" sz="1200" dirty="0">
+                <a:solidFill>
+                  <a:srgbClr val="FFC000"/>
+                </a:solidFill>
+              </a:rPr>
+              <a:t>700px</a:t>
+            </a:r>
+            <a:r>
+              <a:rPr lang="en-US" sz="1200" dirty="0"/>
+              <a:t>){</a:t>
+            </a:r>
+          </a:p>
+          <a:p>
+            <a:r>
+              <a:rPr lang="en-US" sz="1200" dirty="0"/>
+              <a:t>  .container{</a:t>
+            </a:r>
+          </a:p>
+          <a:p>
+            <a:r>
+              <a:rPr lang="en-US" sz="1200" dirty="0"/>
+              <a:t>    width</a:t>
+            </a:r>
+            <a:r>
+              <a:rPr lang="en-US" sz="1200" dirty="0">
+                <a:solidFill>
+                  <a:srgbClr val="FFC000"/>
+                </a:solidFill>
+              </a:rPr>
+              <a:t>: 70%;</a:t>
+            </a:r>
+          </a:p>
+          <a:p>
+            <a:r>
+              <a:rPr lang="en-US" sz="1200" dirty="0"/>
+              <a:t>  }</a:t>
+            </a:r>
+          </a:p>
+          <a:p>
+            <a:r>
+              <a:rPr lang="en-US" sz="1200" dirty="0"/>
+              <a:t>  .</a:t>
+            </a:r>
+            <a:r>
+              <a:rPr lang="en-US" sz="1200" dirty="0" err="1">
+                <a:solidFill>
+                  <a:srgbClr val="FFC000"/>
+                </a:solidFill>
+              </a:rPr>
+              <a:t>popupMenu</a:t>
+            </a:r>
+            <a:r>
               <a:rPr lang="en-US" sz="1200" dirty="0"/>
               <a:t>{</a:t>
             </a:r>
@@ -8920,15 +9569,15 @@
           <a:p>
             <a:r>
               <a:rPr lang="en-US" sz="1200" dirty="0"/>
-              <a:t>  color: </a:t>
+              <a:t>    width: </a:t>
             </a:r>
             <a:r>
               <a:rPr lang="en-US" sz="1200" dirty="0">
                 <a:solidFill>
-                  <a:srgbClr val="00B0F0"/>
-                </a:solidFill>
-              </a:rPr>
-              <a:t>#06D85F</a:t>
+                  <a:srgbClr val="FFC000"/>
+                </a:solidFill>
+              </a:rPr>
+              <a:t>70%</a:t>
             </a:r>
             <a:r>
               <a:rPr lang="en-US" sz="1200" dirty="0"/>
@@ -8938,69 +9587,7 @@
           <a:p>
             <a:r>
               <a:rPr lang="en-US" sz="1200" dirty="0"/>
-              <a:t>}</a:t>
-            </a:r>
-          </a:p>
-          <a:p>
-            <a:r>
-              <a:rPr lang="en-US" sz="1200" dirty="0"/>
-              <a:t>.</a:t>
-            </a:r>
-            <a:r>
-              <a:rPr lang="en-US" sz="1200" dirty="0" err="1">
-                <a:solidFill>
-                  <a:srgbClr val="FFC000"/>
-                </a:solidFill>
-              </a:rPr>
-              <a:t>popupMenu</a:t>
-            </a:r>
-            <a:r>
-              <a:rPr lang="en-US" sz="1200" dirty="0">
-                <a:solidFill>
-                  <a:srgbClr val="FFC000"/>
-                </a:solidFill>
-              </a:rPr>
-              <a:t> </a:t>
-            </a:r>
-            <a:r>
-              <a:rPr lang="en-US" sz="1200" dirty="0"/>
-              <a:t>.</a:t>
-            </a:r>
-            <a:r>
-              <a:rPr lang="en-US" sz="1200" dirty="0">
-                <a:solidFill>
-                  <a:srgbClr val="FFC000"/>
-                </a:solidFill>
-              </a:rPr>
-              <a:t>content</a:t>
-            </a:r>
-            <a:r>
-              <a:rPr lang="en-US" sz="1200" dirty="0"/>
-              <a:t> {</a:t>
-            </a:r>
-          </a:p>
-          <a:p>
-            <a:r>
-              <a:rPr lang="en-US" sz="1200" dirty="0"/>
-              <a:t>  max-height: </a:t>
-            </a:r>
-            <a:r>
-              <a:rPr lang="en-US" sz="1200" dirty="0">
-                <a:solidFill>
-                  <a:srgbClr val="FFC000"/>
-                </a:solidFill>
-              </a:rPr>
-              <a:t>30%</a:t>
-            </a:r>
-            <a:r>
-              <a:rPr lang="en-US" sz="1200" dirty="0"/>
-              <a:t>;</a:t>
-            </a:r>
-          </a:p>
-          <a:p>
-            <a:r>
-              <a:rPr lang="en-US" sz="1200" dirty="0"/>
-              <a:t>  overflow: auto;</a:t>
+              <a:t>  }</a:t>
             </a:r>
           </a:p>
           <a:p>
@@ -9012,112 +9599,63 @@
           <a:p>
             <a:endParaRPr lang="en-US" sz="1200" dirty="0"/>
           </a:p>
-          <a:p>
-            <a:r>
-              <a:rPr lang="en-US" sz="1200" dirty="0"/>
-              <a:t>@media </a:t>
-            </a:r>
-            <a:r>
-              <a:rPr lang="en-US" sz="1200" dirty="0">
-                <a:solidFill>
-                  <a:srgbClr val="FFC000"/>
-                </a:solidFill>
-              </a:rPr>
-              <a:t>screen</a:t>
-            </a:r>
-            <a:r>
-              <a:rPr lang="en-US" sz="1200" dirty="0"/>
-              <a:t> and (max-width: </a:t>
-            </a:r>
-            <a:r>
-              <a:rPr lang="en-US" sz="1200" dirty="0">
-                <a:solidFill>
-                  <a:srgbClr val="FFC000"/>
-                </a:solidFill>
-              </a:rPr>
-              <a:t>700px</a:t>
-            </a:r>
-            <a:r>
-              <a:rPr lang="en-US" sz="1200" dirty="0"/>
-              <a:t>){</a:t>
-            </a:r>
-          </a:p>
-          <a:p>
-            <a:r>
-              <a:rPr lang="en-US" sz="1200" dirty="0"/>
-              <a:t>  .container{</a:t>
-            </a:r>
-          </a:p>
-          <a:p>
-            <a:r>
-              <a:rPr lang="en-US" sz="1200" dirty="0"/>
-              <a:t>    width</a:t>
-            </a:r>
-            <a:r>
-              <a:rPr lang="en-US" sz="1200" dirty="0">
-                <a:solidFill>
-                  <a:srgbClr val="FFC000"/>
-                </a:solidFill>
-              </a:rPr>
-              <a:t>: 70%;</a:t>
-            </a:r>
-          </a:p>
-          <a:p>
-            <a:r>
-              <a:rPr lang="en-US" sz="1200" dirty="0"/>
-              <a:t>  }</a:t>
-            </a:r>
-          </a:p>
-          <a:p>
-            <a:r>
-              <a:rPr lang="en-US" sz="1200" dirty="0"/>
-              <a:t>  .</a:t>
-            </a:r>
-            <a:r>
-              <a:rPr lang="en-US" sz="1200" dirty="0" err="1">
-                <a:solidFill>
-                  <a:srgbClr val="FFC000"/>
-                </a:solidFill>
-              </a:rPr>
-              <a:t>popupMenu</a:t>
-            </a:r>
-            <a:r>
-              <a:rPr lang="en-US" sz="1200" dirty="0"/>
-              <a:t>{</a:t>
-            </a:r>
-          </a:p>
-          <a:p>
-            <a:r>
-              <a:rPr lang="en-US" sz="1200" dirty="0"/>
-              <a:t>    width: </a:t>
-            </a:r>
-            <a:r>
-              <a:rPr lang="en-US" sz="1200" dirty="0">
-                <a:solidFill>
-                  <a:srgbClr val="FFC000"/>
-                </a:solidFill>
-              </a:rPr>
-              <a:t>70%</a:t>
-            </a:r>
-            <a:r>
-              <a:rPr lang="en-US" sz="1200" dirty="0"/>
-              <a:t>;</a:t>
-            </a:r>
-          </a:p>
-          <a:p>
-            <a:r>
-              <a:rPr lang="en-US" sz="1200" dirty="0"/>
-              <a:t>  }</a:t>
-            </a:r>
-          </a:p>
-          <a:p>
-            <a:r>
-              <a:rPr lang="en-US" sz="1200" dirty="0"/>
-              <a:t>}</a:t>
-            </a:r>
-          </a:p>
-          <a:p>
-            <a:endParaRPr lang="en-US" sz="1200" dirty="0"/>
+        </p:txBody>
+      </p:sp>
+      <p:sp>
+        <p:nvSpPr>
+          <p:cNvPr id="3" name="TextBox 2"/>
+          <p:cNvSpPr txBox="1"/>
+          <p:nvPr/>
+        </p:nvSpPr>
+        <p:spPr>
+          <a:xfrm>
+            <a:off x="0" y="6608456"/>
+            <a:ext cx="6714698" cy="215444"/>
+          </a:xfrm>
+          <a:prstGeom prst="rect">
+            <a:avLst/>
+          </a:prstGeom>
+          <a:noFill/>
+        </p:spPr>
+        <p:txBody>
+          <a:bodyPr wrap="square" rtlCol="0">
+            <a:spAutoFit/>
+          </a:bodyPr>
+          <a:lstStyle/>
+          <a:p>
+            <a:r>
+              <a:rPr lang="en-US" sz="800" dirty="0" smtClean="0"/>
+              <a:t>Reference </a:t>
+            </a:r>
+            <a:r>
+              <a:rPr lang="en-US" sz="800" dirty="0"/>
+              <a:t>: </a:t>
+            </a:r>
+            <a:r>
+              <a:rPr lang="en-US" sz="800" dirty="0" err="1" smtClean="0"/>
+              <a:t>CodeCourse</a:t>
+            </a:r>
+            <a:r>
+              <a:rPr lang="en-US" sz="800" dirty="0" smtClean="0"/>
+              <a:t>: </a:t>
+            </a:r>
+            <a:r>
+              <a:rPr lang="en-US" sz="800" dirty="0">
+                <a:hlinkClick r:id="rId3"/>
+              </a:rPr>
+              <a:t>https://</a:t>
+            </a:r>
+            <a:r>
+              <a:rPr lang="en-US" sz="800" dirty="0" smtClean="0">
+                <a:hlinkClick r:id="rId3"/>
+              </a:rPr>
+              <a:t>goo.gl/ZzN8d6</a:t>
+            </a:r>
+            <a:r>
+              <a:rPr lang="en-US" sz="800" dirty="0" smtClean="0"/>
+              <a:t> </a:t>
+            </a:r>
+            <a:endParaRPr lang="en-US" sz="800" dirty="0"/>
           </a:p>
         </p:txBody>
       </p:sp>
@@ -9408,4 +9946,265 @@
     </a:ext>
   </a:extLst>
 </a:theme>
+</file>
+
+<file path=ppt/theme/theme2.xml><?xml version="1.0" encoding="utf-8"?>
+<a:theme xmlns:a="http://schemas.openxmlformats.org/drawingml/2006/main" name="Office Theme">
+  <a:themeElements>
+    <a:clrScheme name="Office">
+      <a:dk1>
+        <a:sysClr val="windowText" lastClr="000000"/>
+      </a:dk1>
+      <a:lt1>
+        <a:sysClr val="window" lastClr="FFFFFF"/>
+      </a:lt1>
+      <a:dk2>
+        <a:srgbClr val="44546A"/>
+      </a:dk2>
+      <a:lt2>
+        <a:srgbClr val="E7E6E6"/>
+      </a:lt2>
+      <a:accent1>
+        <a:srgbClr val="5B9BD5"/>
+      </a:accent1>
+      <a:accent2>
+        <a:srgbClr val="ED7D31"/>
+      </a:accent2>
+      <a:accent3>
+        <a:srgbClr val="A5A5A5"/>
+      </a:accent3>
+      <a:accent4>
+        <a:srgbClr val="FFC000"/>
+      </a:accent4>
+      <a:accent5>
+        <a:srgbClr val="4472C4"/>
+      </a:accent5>
+      <a:accent6>
+        <a:srgbClr val="70AD47"/>
+      </a:accent6>
+      <a:hlink>
+        <a:srgbClr val="0563C1"/>
+      </a:hlink>
+      <a:folHlink>
+        <a:srgbClr val="954F72"/>
+      </a:folHlink>
+    </a:clrScheme>
+    <a:fontScheme name="Office">
+      <a:majorFont>
+        <a:latin typeface="Calibri Light" panose="020F0302020204030204"/>
+        <a:ea typeface=""/>
+        <a:cs typeface=""/>
+        <a:font script="Jpan" typeface="Yu Gothic Light"/>
+        <a:font script="Hang" typeface="맑은 고딕"/>
+        <a:font script="Hans" typeface="DengXian Light"/>
+        <a:font script="Hant" typeface="新細明體"/>
+        <a:font script="Arab" typeface="Times New Roman"/>
+        <a:font script="Hebr" typeface="Times New Roman"/>
+        <a:font script="Thai" typeface="Angsana New"/>
+        <a:font script="Ethi" typeface="Nyala"/>
+        <a:font script="Beng" typeface="Vrinda"/>
+        <a:font script="Gujr" typeface="Shruti"/>
+        <a:font script="Khmr" typeface="MoolBoran"/>
+        <a:font script="Knda" typeface="Tunga"/>
+        <a:font script="Guru" typeface="Raavi"/>
+        <a:font script="Cans" typeface="Euphemia"/>
+        <a:font script="Cher" typeface="Plantagenet Cherokee"/>
+        <a:font script="Yiii" typeface="Microsoft Yi Baiti"/>
+        <a:font script="Tibt" typeface="Microsoft Himalaya"/>
+        <a:font script="Thaa" typeface="MV Boli"/>
+        <a:font script="Deva" typeface="Mangal"/>
+        <a:font script="Telu" typeface="Gautami"/>
+        <a:font script="Taml" typeface="Latha"/>
+        <a:font script="Syrc" typeface="Estrangelo Edessa"/>
+        <a:font script="Orya" typeface="Kalinga"/>
+        <a:font script="Mlym" typeface="Kartika"/>
+        <a:font script="Laoo" typeface="DokChampa"/>
+        <a:font script="Sinh" typeface="Iskoola Pota"/>
+        <a:font script="Mong" typeface="Mongolian Baiti"/>
+        <a:font script="Viet" typeface="Times New Roman"/>
+        <a:font script="Uigh" typeface="Microsoft Uighur"/>
+        <a:font script="Geor" typeface="Sylfaen"/>
+      </a:majorFont>
+      <a:minorFont>
+        <a:latin typeface="Calibri" panose="020F0502020204030204"/>
+        <a:ea typeface=""/>
+        <a:cs typeface=""/>
+        <a:font script="Jpan" typeface="Yu Gothic"/>
+        <a:font script="Hang" typeface="맑은 고딕"/>
+        <a:font script="Hans" typeface="DengXian"/>
+        <a:font script="Hant" typeface="新細明體"/>
+        <a:font script="Arab" typeface="Arial"/>
+        <a:font script="Hebr" typeface="Arial"/>
+        <a:font script="Thai" typeface="Cordia New"/>
+        <a:font script="Ethi" typeface="Nyala"/>
+        <a:font script="Beng" typeface="Vrinda"/>
+        <a:font script="Gujr" typeface="Shruti"/>
+        <a:font script="Khmr" typeface="DaunPenh"/>
+        <a:font script="Knda" typeface="Tunga"/>
+        <a:font script="Guru" typeface="Raavi"/>
+        <a:font script="Cans" typeface="Euphemia"/>
+        <a:font script="Cher" typeface="Plantagenet Cherokee"/>
+        <a:font script="Yiii" typeface="Microsoft Yi Baiti"/>
+        <a:font script="Tibt" typeface="Microsoft Himalaya"/>
+        <a:font script="Thaa" typeface="MV Boli"/>
+        <a:font script="Deva" typeface="Mangal"/>
+        <a:font script="Telu" typeface="Gautami"/>
+        <a:font script="Taml" typeface="Latha"/>
+        <a:font script="Syrc" typeface="Estrangelo Edessa"/>
+        <a:font script="Orya" typeface="Kalinga"/>
+        <a:font script="Mlym" typeface="Kartika"/>
+        <a:font script="Laoo" typeface="DokChampa"/>
+        <a:font script="Sinh" typeface="Iskoola Pota"/>
+        <a:font script="Mong" typeface="Mongolian Baiti"/>
+        <a:font script="Viet" typeface="Arial"/>
+        <a:font script="Uigh" typeface="Microsoft Uighur"/>
+        <a:font script="Geor" typeface="Sylfaen"/>
+      </a:minorFont>
+    </a:fontScheme>
+    <a:fmtScheme name="Office">
+      <a:fillStyleLst>
+        <a:solidFill>
+          <a:schemeClr val="phClr"/>
+        </a:solidFill>
+        <a:gradFill rotWithShape="1">
+          <a:gsLst>
+            <a:gs pos="0">
+              <a:schemeClr val="phClr">
+                <a:lumMod val="110000"/>
+                <a:satMod val="105000"/>
+                <a:tint val="67000"/>
+              </a:schemeClr>
+            </a:gs>
+            <a:gs pos="50000">
+              <a:schemeClr val="phClr">
+                <a:lumMod val="105000"/>
+                <a:satMod val="103000"/>
+                <a:tint val="73000"/>
+              </a:schemeClr>
+            </a:gs>
+            <a:gs pos="100000">
+              <a:schemeClr val="phClr">
+                <a:lumMod val="105000"/>
+                <a:satMod val="109000"/>
+                <a:tint val="81000"/>
+              </a:schemeClr>
+            </a:gs>
+          </a:gsLst>
+          <a:lin ang="5400000" scaled="0"/>
+        </a:gradFill>
+        <a:gradFill rotWithShape="1">
+          <a:gsLst>
+            <a:gs pos="0">
+              <a:schemeClr val="phClr">
+                <a:satMod val="103000"/>
+                <a:lumMod val="102000"/>
+                <a:tint val="94000"/>
+              </a:schemeClr>
+            </a:gs>
+            <a:gs pos="50000">
+              <a:schemeClr val="phClr">
+                <a:satMod val="110000"/>
+                <a:lumMod val="100000"/>
+                <a:shade val="100000"/>
+              </a:schemeClr>
+            </a:gs>
+            <a:gs pos="100000">
+              <a:schemeClr val="phClr">
+                <a:lumMod val="99000"/>
+                <a:satMod val="120000"/>
+                <a:shade val="78000"/>
+              </a:schemeClr>
+            </a:gs>
+          </a:gsLst>
+          <a:lin ang="5400000" scaled="0"/>
+        </a:gradFill>
+      </a:fillStyleLst>
+      <a:lnStyleLst>
+        <a:ln w="6350" cap="flat" cmpd="sng" algn="ctr">
+          <a:solidFill>
+            <a:schemeClr val="phClr"/>
+          </a:solidFill>
+          <a:prstDash val="solid"/>
+          <a:miter lim="800000"/>
+        </a:ln>
+        <a:ln w="12700" cap="flat" cmpd="sng" algn="ctr">
+          <a:solidFill>
+            <a:schemeClr val="phClr"/>
+          </a:solidFill>
+          <a:prstDash val="solid"/>
+          <a:miter lim="800000"/>
+        </a:ln>
+        <a:ln w="19050" cap="flat" cmpd="sng" algn="ctr">
+          <a:solidFill>
+            <a:schemeClr val="phClr"/>
+          </a:solidFill>
+          <a:prstDash val="solid"/>
+          <a:miter lim="800000"/>
+        </a:ln>
+      </a:lnStyleLst>
+      <a:effectStyleLst>
+        <a:effectStyle>
+          <a:effectLst/>
+        </a:effectStyle>
+        <a:effectStyle>
+          <a:effectLst/>
+        </a:effectStyle>
+        <a:effectStyle>
+          <a:effectLst>
+            <a:outerShdw blurRad="57150" dist="19050" dir="5400000" algn="ctr" rotWithShape="0">
+              <a:srgbClr val="000000">
+                <a:alpha val="63000"/>
+              </a:srgbClr>
+            </a:outerShdw>
+          </a:effectLst>
+        </a:effectStyle>
+      </a:effectStyleLst>
+      <a:bgFillStyleLst>
+        <a:solidFill>
+          <a:schemeClr val="phClr"/>
+        </a:solidFill>
+        <a:solidFill>
+          <a:schemeClr val="phClr">
+            <a:tint val="95000"/>
+            <a:satMod val="170000"/>
+          </a:schemeClr>
+        </a:solidFill>
+        <a:gradFill rotWithShape="1">
+          <a:gsLst>
+            <a:gs pos="0">
+              <a:schemeClr val="phClr">
+                <a:tint val="93000"/>
+                <a:satMod val="150000"/>
+                <a:shade val="98000"/>
+                <a:lumMod val="102000"/>
+              </a:schemeClr>
+            </a:gs>
+            <a:gs pos="50000">
+              <a:schemeClr val="phClr">
+                <a:tint val="98000"/>
+                <a:satMod val="130000"/>
+                <a:shade val="90000"/>
+                <a:lumMod val="103000"/>
+              </a:schemeClr>
+            </a:gs>
+            <a:gs pos="100000">
+              <a:schemeClr val="phClr">
+                <a:shade val="63000"/>
+                <a:satMod val="120000"/>
+              </a:schemeClr>
+            </a:gs>
+          </a:gsLst>
+          <a:lin ang="5400000" scaled="0"/>
+        </a:gradFill>
+      </a:bgFillStyleLst>
+    </a:fmtScheme>
+  </a:themeElements>
+  <a:objectDefaults/>
+  <a:extraClrSchemeLst/>
+  <a:extLst>
+    <a:ext uri="{05A4C25C-085E-4340-85A3-A5531E510DB2}">
+      <thm15:themeFamily xmlns:thm15="http://schemas.microsoft.com/office/thememl/2012/main" name="Office Theme" id="{62F939B6-93AF-4DB8-9C6B-D6C7DFDC589F}" vid="{4A3C46E8-61CC-4603-A589-7422A47A8E4A}"/>
+    </a:ext>
+  </a:extLst>
+</a:theme>
 </file>